--- a/120 구매/109 자율비행 구매 계획서 9월 2주 V1.0.pptx
+++ b/120 구매/109 자율비행 구매 계획서 9월 2주 V1.0.pptx
@@ -14949,14 +14949,14 @@
           <p:nvPr>
             <p:extLst>
               <p:ext uri="{D42A27DB-BD31-4B8C-83A1-F6EECF244321}">
-                <p14:modId xmlns:p14="http://schemas.microsoft.com/office/powerpoint/2010/main" val="2156420904"/>
+                <p14:modId xmlns:p14="http://schemas.microsoft.com/office/powerpoint/2010/main" val="57073860"/>
               </p:ext>
             </p:extLst>
           </p:nvPr>
         </p:nvGraphicFramePr>
         <p:xfrm>
           <a:off x="681038" y="1030817"/>
-          <a:ext cx="8543924" cy="5382261"/>
+          <a:ext cx="8543923" cy="5073245"/>
         </p:xfrm>
         <a:graphic>
           <a:graphicData uri="http://schemas.openxmlformats.org/drawingml/2006/table">
@@ -14966,45 +14966,52 @@
                 <a:tableStyleId>{5C5E4F1C-13F9-4D5A-ACF0-85943E63A805}</a:tableStyleId>
               </a:tblPr>
               <a:tblGrid>
-                <a:gridCol w="594151">
+                <a:gridCol w="534638">
                   <a:extLst>
                     <a:ext uri="{9D8B030D-6E8A-4147-A177-3AD203B41FA5}">
                       <a16:colId xmlns:a16="http://schemas.microsoft.com/office/drawing/2014/main" val="20000"/>
                     </a:ext>
                   </a:extLst>
                 </a:gridCol>
-                <a:gridCol w="1315759">
+                <a:gridCol w="1183967">
                   <a:extLst>
                     <a:ext uri="{9D8B030D-6E8A-4147-A177-3AD203B41FA5}">
                       <a16:colId xmlns:a16="http://schemas.microsoft.com/office/drawing/2014/main" val="20001"/>
                     </a:ext>
                   </a:extLst>
                 </a:gridCol>
-                <a:gridCol w="4431645">
+                <a:gridCol w="3987753">
                   <a:extLst>
                     <a:ext uri="{9D8B030D-6E8A-4147-A177-3AD203B41FA5}">
                       <a16:colId xmlns:a16="http://schemas.microsoft.com/office/drawing/2014/main" val="20002"/>
                     </a:ext>
                   </a:extLst>
                 </a:gridCol>
-                <a:gridCol w="658368">
+                <a:gridCol w="592423">
                   <a:extLst>
                     <a:ext uri="{9D8B030D-6E8A-4147-A177-3AD203B41FA5}">
                       <a16:colId xmlns:a16="http://schemas.microsoft.com/office/drawing/2014/main" val="20003"/>
                     </a:ext>
                   </a:extLst>
                 </a:gridCol>
-                <a:gridCol w="592944">
+                <a:gridCol w="533552">
                   <a:extLst>
                     <a:ext uri="{9D8B030D-6E8A-4147-A177-3AD203B41FA5}">
                       <a16:colId xmlns:a16="http://schemas.microsoft.com/office/drawing/2014/main" val="20004"/>
                     </a:ext>
                   </a:extLst>
                 </a:gridCol>
-                <a:gridCol w="951057">
+                <a:gridCol w="855795">
                   <a:extLst>
                     <a:ext uri="{9D8B030D-6E8A-4147-A177-3AD203B41FA5}">
                       <a16:colId xmlns:a16="http://schemas.microsoft.com/office/drawing/2014/main" val="1002845730"/>
+                    </a:ext>
+                  </a:extLst>
+                </a:gridCol>
+                <a:gridCol w="855795">
+                  <a:extLst>
+                    <a:ext uri="{9D8B030D-6E8A-4147-A177-3AD203B41FA5}">
+                      <a16:colId xmlns:a16="http://schemas.microsoft.com/office/drawing/2014/main" val="8612014"/>
                     </a:ext>
                   </a:extLst>
                 </a:gridCol>
@@ -15260,6 +15267,37 @@
                   </a:txBody>
                   <a:tcPr marL="91450" marR="91450" marT="45725" marB="45725" anchor="ctr"/>
                 </a:tc>
+                <a:tc>
+                  <a:txBody>
+                    <a:bodyPr/>
+                    <a:lstStyle/>
+                    <a:p>
+                      <a:pPr marL="0" marR="0" lvl="0" indent="0" algn="ctr" rtl="0">
+                        <a:lnSpc>
+                          <a:spcPct val="100000"/>
+                        </a:lnSpc>
+                        <a:spcBef>
+                          <a:spcPts val="0"/>
+                        </a:spcBef>
+                        <a:spcAft>
+                          <a:spcPts val="0"/>
+                        </a:spcAft>
+                        <a:buClr>
+                          <a:schemeClr val="dk1"/>
+                        </a:buClr>
+                        <a:buSzPts val="1400"/>
+                        <a:buFont typeface="Calibri"/>
+                        <a:buNone/>
+                      </a:pPr>
+                      <a:r>
+                        <a:rPr lang="ko-KR" altLang="en-US" sz="1200" b="0" u="none" strike="noStrike" cap="none" dirty="0"/>
+                        <a:t>우선순위</a:t>
+                      </a:r>
+                      <a:endParaRPr sz="1200" b="0" u="none" strike="noStrike" cap="none" dirty="0"/>
+                    </a:p>
+                  </a:txBody>
+                  <a:tcPr marL="91450" marR="91450" marT="45725" marB="45725" anchor="ctr"/>
+                </a:tc>
                 <a:extLst>
                   <a:ext uri="{0D108BD9-81ED-4DB2-BD59-A6C34878D82A}">
                     <a16:rowId xmlns:a16="http://schemas.microsoft.com/office/drawing/2014/main" val="10000"/>
@@ -15306,258 +15344,11 @@
                     <a:bodyPr/>
                     <a:lstStyle/>
                     <a:p>
-                      <a:pPr marL="0" marR="0" lvl="0" indent="0" algn="ctr" rtl="0">
-                        <a:lnSpc>
-                          <a:spcPct val="100000"/>
-                        </a:lnSpc>
-                        <a:spcBef>
-                          <a:spcPts val="0"/>
-                        </a:spcBef>
-                        <a:spcAft>
-                          <a:spcPts val="0"/>
-                        </a:spcAft>
-                        <a:buNone/>
-                      </a:pPr>
+                      <a:pPr algn="ctr"/>
                       <a:r>
-                        <a:rPr lang="ko-KR" altLang="en-US" sz="1200" b="0" u="none" strike="noStrike" cap="none" dirty="0">
-                          <a:solidFill>
-                            <a:schemeClr val="tx1"/>
-                          </a:solidFill>
-                        </a:rPr>
+                        <a:rPr lang="ko-KR" altLang="en-US" sz="1200" b="0" dirty="0"/>
                         <a:t>비행기</a:t>
                       </a:r>
-                      <a:endParaRPr sz="1200" b="0" u="none" strike="noStrike" cap="none" dirty="0">
-                        <a:solidFill>
-                          <a:schemeClr val="tx1"/>
-                        </a:solidFill>
-                      </a:endParaRPr>
-                    </a:p>
-                  </a:txBody>
-                  <a:tcPr marL="91450" marR="91450" marT="45725" marB="45725" anchor="ctr"/>
-                </a:tc>
-                <a:tc>
-                  <a:txBody>
-                    <a:bodyPr/>
-                    <a:lstStyle/>
-                    <a:p>
-                      <a:pPr marL="0" marR="0" lvl="0" indent="0" algn="l" rtl="0">
-                        <a:lnSpc>
-                          <a:spcPct val="100000"/>
-                        </a:lnSpc>
-                        <a:spcBef>
-                          <a:spcPts val="0"/>
-                        </a:spcBef>
-                        <a:spcAft>
-                          <a:spcPts val="0"/>
-                        </a:spcAft>
-                        <a:buNone/>
-                      </a:pPr>
-                      <a:r>
-                        <a:rPr lang="en-US" sz="1200" b="0" u="none" strike="noStrike" cap="none" dirty="0">
-                          <a:solidFill>
-                            <a:schemeClr val="tx1"/>
-                          </a:solidFill>
-                        </a:rPr>
-                        <a:t>Mini </a:t>
-                      </a:r>
-                      <a:r>
-                        <a:rPr lang="en-US" sz="1200" b="0" u="none" strike="noStrike" cap="none" dirty="0" err="1">
-                          <a:solidFill>
-                            <a:schemeClr val="tx1"/>
-                          </a:solidFill>
-                        </a:rPr>
-                        <a:t>Solius</a:t>
-                      </a:r>
-                      <a:r>
-                        <a:rPr lang="en-US" sz="1200" b="0" u="none" strike="noStrike" cap="none" dirty="0">
-                          <a:solidFill>
-                            <a:schemeClr val="tx1"/>
-                          </a:solidFill>
-                        </a:rPr>
-                        <a:t>(</a:t>
-                      </a:r>
-                      <a:r>
-                        <a:rPr lang="ko-KR" altLang="en-US" sz="1200" b="0" u="none" strike="noStrike" cap="none" dirty="0">
-                          <a:solidFill>
-                            <a:schemeClr val="tx1"/>
-                          </a:solidFill>
-                        </a:rPr>
-                        <a:t>미니솔리우스</a:t>
-                      </a:r>
-                      <a:r>
-                        <a:rPr lang="en-US" altLang="ko-KR" sz="1200" b="0" u="none" strike="noStrike" cap="none" dirty="0">
-                          <a:solidFill>
-                            <a:schemeClr val="tx1"/>
-                          </a:solidFill>
-                        </a:rPr>
-                        <a:t>) 650mm x</a:t>
-                      </a:r>
-                      <a:r>
-                        <a:rPr lang="ko-KR" altLang="en-US" sz="1200" b="0" u="none" strike="noStrike" cap="none" dirty="0">
-                          <a:solidFill>
-                            <a:schemeClr val="tx1"/>
-                          </a:solidFill>
-                        </a:rPr>
-                        <a:t> </a:t>
-                      </a:r>
-                      <a:r>
-                        <a:rPr lang="en-US" altLang="ko-KR" sz="1200" b="0" u="none" strike="noStrike" cap="none" dirty="0">
-                          <a:solidFill>
-                            <a:schemeClr val="tx1"/>
-                          </a:solidFill>
-                        </a:rPr>
-                        <a:t>490mm</a:t>
-                      </a:r>
-                      <a:endParaRPr sz="1200" b="0" u="none" strike="noStrike" cap="none" dirty="0">
-                        <a:solidFill>
-                          <a:schemeClr val="tx1"/>
-                        </a:solidFill>
-                      </a:endParaRPr>
-                    </a:p>
-                  </a:txBody>
-                  <a:tcPr marL="91450" marR="91450" marT="45725" marB="45725" anchor="ctr"/>
-                </a:tc>
-                <a:tc>
-                  <a:txBody>
-                    <a:bodyPr/>
-                    <a:lstStyle/>
-                    <a:p>
-                      <a:pPr marL="0" marR="0" lvl="0" indent="0" algn="r" rtl="0">
-                        <a:lnSpc>
-                          <a:spcPct val="100000"/>
-                        </a:lnSpc>
-                        <a:spcBef>
-                          <a:spcPts val="0"/>
-                        </a:spcBef>
-                        <a:spcAft>
-                          <a:spcPts val="0"/>
-                        </a:spcAft>
-                        <a:buNone/>
-                      </a:pPr>
-                      <a:r>
-                        <a:rPr lang="en-US" sz="1200" b="0" u="none" strike="noStrike" cap="none" dirty="0">
-                          <a:solidFill>
-                            <a:schemeClr val="tx1"/>
-                          </a:solidFill>
-                        </a:rPr>
-                        <a:t>1.6</a:t>
-                      </a:r>
-                      <a:endParaRPr sz="1200" b="0" u="none" strike="noStrike" cap="none" dirty="0">
-                        <a:solidFill>
-                          <a:schemeClr val="tx1"/>
-                        </a:solidFill>
-                      </a:endParaRPr>
-                    </a:p>
-                  </a:txBody>
-                  <a:tcPr marL="91450" marR="91450" marT="45725" marB="45725" anchor="ctr"/>
-                </a:tc>
-                <a:tc>
-                  <a:txBody>
-                    <a:bodyPr/>
-                    <a:lstStyle/>
-                    <a:p>
-                      <a:pPr marL="0" marR="0" lvl="0" indent="0" algn="ctr" rtl="0">
-                        <a:lnSpc>
-                          <a:spcPct val="100000"/>
-                        </a:lnSpc>
-                        <a:spcBef>
-                          <a:spcPts val="0"/>
-                        </a:spcBef>
-                        <a:spcAft>
-                          <a:spcPts val="0"/>
-                        </a:spcAft>
-                        <a:buNone/>
-                      </a:pPr>
-                      <a:r>
-                        <a:rPr lang="en-US" sz="1200" b="0" strike="noStrike" dirty="0">
-                          <a:solidFill>
-                            <a:schemeClr val="tx1"/>
-                          </a:solidFill>
-                        </a:rPr>
-                        <a:t>2</a:t>
-                      </a:r>
-                      <a:endParaRPr sz="1200" b="0" strike="noStrike" dirty="0">
-                        <a:solidFill>
-                          <a:schemeClr val="tx1"/>
-                        </a:solidFill>
-                      </a:endParaRPr>
-                    </a:p>
-                  </a:txBody>
-                  <a:tcPr marL="91450" marR="91450" marT="45725" marB="45725" anchor="ctr"/>
-                </a:tc>
-                <a:tc>
-                  <a:txBody>
-                    <a:bodyPr/>
-                    <a:lstStyle/>
-                    <a:p>
-                      <a:pPr marL="0" marR="0" lvl="0" indent="0" algn="ctr" rtl="0">
-                        <a:lnSpc>
-                          <a:spcPct val="100000"/>
-                        </a:lnSpc>
-                        <a:spcBef>
-                          <a:spcPts val="0"/>
-                        </a:spcBef>
-                        <a:spcAft>
-                          <a:spcPts val="0"/>
-                        </a:spcAft>
-                        <a:buNone/>
-                      </a:pPr>
-                      <a:r>
-                        <a:rPr lang="en-US" sz="1200" b="0" strike="noStrike" dirty="0">
-                          <a:solidFill>
-                            <a:schemeClr val="tx1"/>
-                          </a:solidFill>
-                        </a:rPr>
-                        <a:t>3.2</a:t>
-                      </a:r>
-                      <a:endParaRPr sz="1200" b="0" strike="noStrike" dirty="0">
-                        <a:solidFill>
-                          <a:schemeClr val="tx1"/>
-                        </a:solidFill>
-                      </a:endParaRPr>
-                    </a:p>
-                  </a:txBody>
-                  <a:tcPr marL="91450" marR="91450" marT="45725" marB="45725" anchor="ctr"/>
-                </a:tc>
-                <a:extLst>
-                  <a:ext uri="{0D108BD9-81ED-4DB2-BD59-A6C34878D82A}">
-                    <a16:rowId xmlns:a16="http://schemas.microsoft.com/office/drawing/2014/main" val="10001"/>
-                  </a:ext>
-                </a:extLst>
-              </a:tr>
-              <a:tr h="289811">
-                <a:tc vMerge="1">
-                  <a:txBody>
-                    <a:bodyPr/>
-                    <a:lstStyle/>
-                    <a:p>
-                      <a:pPr marL="0" marR="0" lvl="0" indent="0" algn="l" rtl="0">
-                        <a:lnSpc>
-                          <a:spcPct val="100000"/>
-                        </a:lnSpc>
-                        <a:spcBef>
-                          <a:spcPts val="0"/>
-                        </a:spcBef>
-                        <a:spcAft>
-                          <a:spcPts val="0"/>
-                        </a:spcAft>
-                        <a:buNone/>
-                      </a:pPr>
-                      <a:endParaRPr sz="1400" u="none" strike="sngStrike" cap="none">
-                        <a:solidFill>
-                          <a:schemeClr val="tx1"/>
-                        </a:solidFill>
-                      </a:endParaRPr>
-                    </a:p>
-                  </a:txBody>
-                  <a:tcPr marL="91450" marR="91450" marT="45725" marB="45725" anchor="ctr"/>
-                </a:tc>
-                <a:tc>
-                  <a:txBody>
-                    <a:bodyPr/>
-                    <a:lstStyle/>
-                    <a:p>
-                      <a:pPr algn="ctr"/>
                       <a:endParaRPr lang="en-US" sz="1200" b="0" dirty="0"/>
                     </a:p>
                   </a:txBody>
@@ -15640,7 +15431,7 @@
                       <a:pPr algn="ctr"/>
                       <a:r>
                         <a:rPr lang="en-US" sz="1200" b="0" dirty="0"/>
-                        <a:t>2</a:t>
+                        <a:t>3</a:t>
                       </a:r>
                     </a:p>
                   </a:txBody>
@@ -15654,8 +15445,246 @@
                       <a:pPr algn="ctr"/>
                       <a:r>
                         <a:rPr lang="en-US" sz="1200" b="0" dirty="0"/>
-                        <a:t>2</a:t>
+                        <a:t>3</a:t>
                       </a:r>
+                    </a:p>
+                  </a:txBody>
+                  <a:tcPr marL="91450" marR="91450" marT="45725" marB="45725" anchor="ctr"/>
+                </a:tc>
+                <a:tc>
+                  <a:txBody>
+                    <a:bodyPr/>
+                    <a:lstStyle/>
+                    <a:p>
+                      <a:pPr algn="ctr"/>
+                      <a:r>
+                        <a:rPr lang="ko-KR" altLang="en-US" sz="1200" b="0" dirty="0"/>
+                        <a:t>상</a:t>
+                      </a:r>
+                      <a:endParaRPr lang="en-US" sz="1200" b="0" dirty="0"/>
+                    </a:p>
+                  </a:txBody>
+                  <a:tcPr marL="91450" marR="91450" marT="45725" marB="45725" anchor="ctr"/>
+                </a:tc>
+                <a:extLst>
+                  <a:ext uri="{0D108BD9-81ED-4DB2-BD59-A6C34878D82A}">
+                    <a16:rowId xmlns:a16="http://schemas.microsoft.com/office/drawing/2014/main" val="10001"/>
+                  </a:ext>
+                </a:extLst>
+              </a:tr>
+              <a:tr h="289811">
+                <a:tc vMerge="1">
+                  <a:txBody>
+                    <a:bodyPr/>
+                    <a:lstStyle/>
+                    <a:p>
+                      <a:pPr marL="0" marR="0" lvl="0" indent="0" algn="l" rtl="0">
+                        <a:lnSpc>
+                          <a:spcPct val="100000"/>
+                        </a:lnSpc>
+                        <a:spcBef>
+                          <a:spcPts val="0"/>
+                        </a:spcBef>
+                        <a:spcAft>
+                          <a:spcPts val="0"/>
+                        </a:spcAft>
+                        <a:buNone/>
+                      </a:pPr>
+                      <a:endParaRPr sz="1400" u="none" strike="sngStrike" cap="none">
+                        <a:solidFill>
+                          <a:schemeClr val="tx1"/>
+                        </a:solidFill>
+                      </a:endParaRPr>
+                    </a:p>
+                  </a:txBody>
+                  <a:tcPr marL="91450" marR="91450" marT="45725" marB="45725" anchor="ctr"/>
+                </a:tc>
+                <a:tc>
+                  <a:txBody>
+                    <a:bodyPr/>
+                    <a:lstStyle/>
+                    <a:p>
+                      <a:endParaRPr lang="en-US" sz="1200" dirty="0"/>
+                    </a:p>
+                  </a:txBody>
+                  <a:tcPr marL="91450" marR="91450" marT="45725" marB="45725" anchor="ctr"/>
+                </a:tc>
+                <a:tc>
+                  <a:txBody>
+                    <a:bodyPr/>
+                    <a:lstStyle/>
+                    <a:p>
+                      <a:r>
+                        <a:rPr lang="ko-KR" altLang="en-US" sz="1200" dirty="0">
+                          <a:solidFill>
+                            <a:srgbClr val="FF0000"/>
+                          </a:solidFill>
+                        </a:rPr>
+                        <a:t>에어글라이더 블랙이글 스티로폼비행기</a:t>
+                      </a:r>
+                      <a:endParaRPr lang="en-US" sz="1200" dirty="0">
+                        <a:solidFill>
+                          <a:srgbClr val="FF0000"/>
+                        </a:solidFill>
+                      </a:endParaRPr>
+                    </a:p>
+                  </a:txBody>
+                  <a:tcPr marL="91450" marR="91450" marT="45725" marB="45725" anchor="ctr"/>
+                </a:tc>
+                <a:tc>
+                  <a:txBody>
+                    <a:bodyPr/>
+                    <a:lstStyle/>
+                    <a:p>
+                      <a:pPr marL="0" marR="0" lvl="0" indent="0" algn="r" rtl="0">
+                        <a:lnSpc>
+                          <a:spcPct val="100000"/>
+                        </a:lnSpc>
+                        <a:spcBef>
+                          <a:spcPts val="0"/>
+                        </a:spcBef>
+                        <a:spcAft>
+                          <a:spcPts val="0"/>
+                        </a:spcAft>
+                        <a:buClr>
+                          <a:srgbClr val="000000"/>
+                        </a:buClr>
+                        <a:buSzPts val="1400"/>
+                        <a:buFont typeface="Arial"/>
+                        <a:buNone/>
+                      </a:pPr>
+                      <a:r>
+                        <a:rPr lang="en-US" sz="1200" b="0" u="none" strike="noStrike" cap="none" dirty="0">
+                          <a:solidFill>
+                            <a:srgbClr val="FF0000"/>
+                          </a:solidFill>
+                        </a:rPr>
+                        <a:t>1.7</a:t>
+                      </a:r>
+                      <a:endParaRPr sz="1200" b="0" u="none" strike="noStrike" cap="none" dirty="0">
+                        <a:solidFill>
+                          <a:srgbClr val="FF0000"/>
+                        </a:solidFill>
+                      </a:endParaRPr>
+                    </a:p>
+                  </a:txBody>
+                  <a:tcPr marL="91450" marR="91450" marT="45725" marB="45725" anchor="ctr"/>
+                </a:tc>
+                <a:tc>
+                  <a:txBody>
+                    <a:bodyPr/>
+                    <a:lstStyle/>
+                    <a:p>
+                      <a:pPr marL="0" marR="0" lvl="0" indent="0" algn="ctr" rtl="0">
+                        <a:lnSpc>
+                          <a:spcPct val="100000"/>
+                        </a:lnSpc>
+                        <a:spcBef>
+                          <a:spcPts val="0"/>
+                        </a:spcBef>
+                        <a:spcAft>
+                          <a:spcPts val="0"/>
+                        </a:spcAft>
+                        <a:buClr>
+                          <a:srgbClr val="000000"/>
+                        </a:buClr>
+                        <a:buSzPts val="1400"/>
+                        <a:buFont typeface="Arial"/>
+                        <a:buNone/>
+                      </a:pPr>
+                      <a:r>
+                        <a:rPr lang="en-US" sz="1200" b="0" u="none" strike="noStrike" cap="none" dirty="0">
+                          <a:solidFill>
+                            <a:srgbClr val="FF0000"/>
+                          </a:solidFill>
+                        </a:rPr>
+                        <a:t>3</a:t>
+                      </a:r>
+                      <a:endParaRPr sz="1200" b="0" u="none" strike="noStrike" cap="none" dirty="0">
+                        <a:solidFill>
+                          <a:srgbClr val="FF0000"/>
+                        </a:solidFill>
+                      </a:endParaRPr>
+                    </a:p>
+                  </a:txBody>
+                  <a:tcPr marL="91450" marR="91450" marT="45725" marB="45725" anchor="ctr"/>
+                </a:tc>
+                <a:tc>
+                  <a:txBody>
+                    <a:bodyPr/>
+                    <a:lstStyle/>
+                    <a:p>
+                      <a:pPr marL="0" marR="0" lvl="0" indent="0" algn="ctr" rtl="0">
+                        <a:lnSpc>
+                          <a:spcPct val="100000"/>
+                        </a:lnSpc>
+                        <a:spcBef>
+                          <a:spcPts val="0"/>
+                        </a:spcBef>
+                        <a:spcAft>
+                          <a:spcPts val="0"/>
+                        </a:spcAft>
+                        <a:buClr>
+                          <a:srgbClr val="000000"/>
+                        </a:buClr>
+                        <a:buSzPts val="1400"/>
+                        <a:buFont typeface="Arial"/>
+                        <a:buNone/>
+                      </a:pPr>
+                      <a:r>
+                        <a:rPr lang="en-US" sz="1200" b="0" u="none" strike="noStrike" cap="none" dirty="0">
+                          <a:solidFill>
+                            <a:srgbClr val="FF0000"/>
+                          </a:solidFill>
+                        </a:rPr>
+                        <a:t>5.1</a:t>
+                      </a:r>
+                      <a:endParaRPr sz="1200" b="0" u="none" strike="noStrike" cap="none" dirty="0">
+                        <a:solidFill>
+                          <a:srgbClr val="FF0000"/>
+                        </a:solidFill>
+                      </a:endParaRPr>
+                    </a:p>
+                  </a:txBody>
+                  <a:tcPr marL="91450" marR="91450" marT="45725" marB="45725" anchor="ctr"/>
+                </a:tc>
+                <a:tc>
+                  <a:txBody>
+                    <a:bodyPr/>
+                    <a:lstStyle/>
+                    <a:p>
+                      <a:pPr marL="0" marR="0" lvl="0" indent="0" algn="ctr" defTabSz="914400" rtl="0" eaLnBrk="1" fontAlgn="auto" latinLnBrk="0" hangingPunct="1">
+                        <a:lnSpc>
+                          <a:spcPct val="100000"/>
+                        </a:lnSpc>
+                        <a:spcBef>
+                          <a:spcPts val="0"/>
+                        </a:spcBef>
+                        <a:spcAft>
+                          <a:spcPts val="0"/>
+                        </a:spcAft>
+                        <a:buClr>
+                          <a:srgbClr val="000000"/>
+                        </a:buClr>
+                        <a:buSzPts val="1400"/>
+                        <a:buFont typeface="Arial"/>
+                        <a:buNone/>
+                        <a:tabLst/>
+                        <a:defRPr/>
+                      </a:pPr>
+                      <a:r>
+                        <a:rPr lang="ko-KR" altLang="en-US" sz="1200" b="0" dirty="0">
+                          <a:solidFill>
+                            <a:srgbClr val="FF0000"/>
+                          </a:solidFill>
+                        </a:rPr>
+                        <a:t>상</a:t>
+                      </a:r>
+                      <a:endParaRPr sz="1200" b="0" u="none" strike="noStrike" cap="none" dirty="0">
+                        <a:solidFill>
+                          <a:srgbClr val="FF0000"/>
+                        </a:solidFill>
+                      </a:endParaRPr>
                     </a:p>
                   </a:txBody>
                   <a:tcPr marL="91450" marR="91450" marT="45725" marB="45725" anchor="ctr"/>
@@ -15685,180 +15714,6 @@
                         <a:buNone/>
                       </a:pPr>
                       <a:endParaRPr sz="1200" b="0" u="none" strike="sngStrike" cap="none">
-                        <a:solidFill>
-                          <a:schemeClr val="tx1"/>
-                        </a:solidFill>
-                      </a:endParaRPr>
-                    </a:p>
-                  </a:txBody>
-                  <a:tcPr marL="91450" marR="91450" marT="45725" marB="45725" anchor="ctr"/>
-                </a:tc>
-                <a:tc>
-                  <a:txBody>
-                    <a:bodyPr/>
-                    <a:lstStyle/>
-                    <a:p>
-                      <a:endParaRPr lang="en-US" sz="1200"/>
-                    </a:p>
-                  </a:txBody>
-                  <a:tcPr marL="91450" marR="91450" marT="45725" marB="45725" anchor="ctr"/>
-                </a:tc>
-                <a:tc>
-                  <a:txBody>
-                    <a:bodyPr/>
-                    <a:lstStyle/>
-                    <a:p>
-                      <a:r>
-                        <a:rPr lang="ko-KR" altLang="en-US" sz="1200" dirty="0"/>
-                        <a:t>에어글라이더 블랙이글 스티로폼비행기</a:t>
-                      </a:r>
-                      <a:endParaRPr lang="en-US" sz="1200" dirty="0"/>
-                    </a:p>
-                  </a:txBody>
-                  <a:tcPr marL="91450" marR="91450" marT="45725" marB="45725" anchor="ctr"/>
-                </a:tc>
-                <a:tc>
-                  <a:txBody>
-                    <a:bodyPr/>
-                    <a:lstStyle/>
-                    <a:p>
-                      <a:pPr marL="0" marR="0" lvl="0" indent="0" algn="r" rtl="0">
-                        <a:lnSpc>
-                          <a:spcPct val="100000"/>
-                        </a:lnSpc>
-                        <a:spcBef>
-                          <a:spcPts val="0"/>
-                        </a:spcBef>
-                        <a:spcAft>
-                          <a:spcPts val="0"/>
-                        </a:spcAft>
-                        <a:buClr>
-                          <a:srgbClr val="000000"/>
-                        </a:buClr>
-                        <a:buSzPts val="1400"/>
-                        <a:buFont typeface="Arial"/>
-                        <a:buNone/>
-                      </a:pPr>
-                      <a:r>
-                        <a:rPr lang="en-US" sz="1200" b="0" u="none" strike="noStrike" cap="none" dirty="0">
-                          <a:solidFill>
-                            <a:schemeClr val="tx1"/>
-                          </a:solidFill>
-                        </a:rPr>
-                        <a:t>1.7</a:t>
-                      </a:r>
-                      <a:endParaRPr sz="1200" b="0" u="none" strike="noStrike" cap="none" dirty="0">
-                        <a:solidFill>
-                          <a:schemeClr val="tx1"/>
-                        </a:solidFill>
-                      </a:endParaRPr>
-                    </a:p>
-                  </a:txBody>
-                  <a:tcPr marL="91450" marR="91450" marT="45725" marB="45725" anchor="ctr"/>
-                </a:tc>
-                <a:tc>
-                  <a:txBody>
-                    <a:bodyPr/>
-                    <a:lstStyle/>
-                    <a:p>
-                      <a:pPr marL="0" marR="0" lvl="0" indent="0" algn="ctr" rtl="0">
-                        <a:lnSpc>
-                          <a:spcPct val="100000"/>
-                        </a:lnSpc>
-                        <a:spcBef>
-                          <a:spcPts val="0"/>
-                        </a:spcBef>
-                        <a:spcAft>
-                          <a:spcPts val="0"/>
-                        </a:spcAft>
-                        <a:buClr>
-                          <a:srgbClr val="000000"/>
-                        </a:buClr>
-                        <a:buSzPts val="1400"/>
-                        <a:buFont typeface="Arial"/>
-                        <a:buNone/>
-                      </a:pPr>
-                      <a:r>
-                        <a:rPr lang="en-US" sz="1200" b="0" u="none" strike="noStrike" cap="none" dirty="0">
-                          <a:solidFill>
-                            <a:schemeClr val="tx1"/>
-                          </a:solidFill>
-                        </a:rPr>
-                        <a:t>4</a:t>
-                      </a:r>
-                      <a:endParaRPr sz="1200" b="0" u="none" strike="noStrike" cap="none" dirty="0">
-                        <a:solidFill>
-                          <a:schemeClr val="tx1"/>
-                        </a:solidFill>
-                      </a:endParaRPr>
-                    </a:p>
-                  </a:txBody>
-                  <a:tcPr marL="91450" marR="91450" marT="45725" marB="45725" anchor="ctr"/>
-                </a:tc>
-                <a:tc>
-                  <a:txBody>
-                    <a:bodyPr/>
-                    <a:lstStyle/>
-                    <a:p>
-                      <a:pPr marL="0" marR="0" lvl="0" indent="0" algn="ctr" rtl="0">
-                        <a:lnSpc>
-                          <a:spcPct val="100000"/>
-                        </a:lnSpc>
-                        <a:spcBef>
-                          <a:spcPts val="0"/>
-                        </a:spcBef>
-                        <a:spcAft>
-                          <a:spcPts val="0"/>
-                        </a:spcAft>
-                        <a:buClr>
-                          <a:srgbClr val="000000"/>
-                        </a:buClr>
-                        <a:buSzPts val="1400"/>
-                        <a:buFont typeface="Arial"/>
-                        <a:buNone/>
-                      </a:pPr>
-                      <a:r>
-                        <a:rPr lang="en-US" sz="1200" b="0" u="none" strike="noStrike" cap="none" dirty="0">
-                          <a:solidFill>
-                            <a:schemeClr val="tx1"/>
-                          </a:solidFill>
-                        </a:rPr>
-                        <a:t>6.8</a:t>
-                      </a:r>
-                      <a:endParaRPr sz="1200" b="0" u="none" strike="noStrike" cap="none" dirty="0">
-                        <a:solidFill>
-                          <a:schemeClr val="tx1"/>
-                        </a:solidFill>
-                      </a:endParaRPr>
-                    </a:p>
-                  </a:txBody>
-                  <a:tcPr marL="91450" marR="91450" marT="45725" marB="45725" anchor="ctr"/>
-                </a:tc>
-                <a:extLst>
-                  <a:ext uri="{0D108BD9-81ED-4DB2-BD59-A6C34878D82A}">
-                    <a16:rowId xmlns:a16="http://schemas.microsoft.com/office/drawing/2014/main" val="10004"/>
-                  </a:ext>
-                </a:extLst>
-              </a:tr>
-              <a:tr h="309016">
-                <a:tc>
-                  <a:txBody>
-                    <a:bodyPr/>
-                    <a:lstStyle/>
-                    <a:p>
-                      <a:pPr marL="0" marR="0" lvl="0" indent="0" algn="l" rtl="0">
-                        <a:lnSpc>
-                          <a:spcPct val="100000"/>
-                        </a:lnSpc>
-                        <a:spcBef>
-                          <a:spcPts val="0"/>
-                        </a:spcBef>
-                        <a:spcAft>
-                          <a:spcPts val="0"/>
-                        </a:spcAft>
-                        <a:buNone/>
-                      </a:pPr>
-                      <a:endParaRPr sz="1200" b="0" u="none" strike="noStrike" cap="none">
                         <a:solidFill>
                           <a:schemeClr val="tx1"/>
                         </a:solidFill>
@@ -15937,9 +15792,46 @@
                   </a:txBody>
                   <a:tcPr marL="91450" marR="91450" marT="45725" marB="45725" anchor="ctr"/>
                 </a:tc>
+                <a:tc>
+                  <a:txBody>
+                    <a:bodyPr/>
+                    <a:lstStyle/>
+                    <a:p>
+                      <a:pPr marL="0" marR="0" lvl="0" indent="0" algn="ctr" defTabSz="914400" rtl="0" eaLnBrk="1" fontAlgn="auto" latinLnBrk="0" hangingPunct="1">
+                        <a:lnSpc>
+                          <a:spcPct val="100000"/>
+                        </a:lnSpc>
+                        <a:spcBef>
+                          <a:spcPts val="0"/>
+                        </a:spcBef>
+                        <a:spcAft>
+                          <a:spcPts val="0"/>
+                        </a:spcAft>
+                        <a:buClr>
+                          <a:srgbClr val="000000"/>
+                        </a:buClr>
+                        <a:buSzTx/>
+                        <a:buFont typeface="Arial"/>
+                        <a:buNone/>
+                        <a:tabLst/>
+                        <a:defRPr/>
+                      </a:pPr>
+                      <a:r>
+                        <a:rPr lang="ko-KR" altLang="en-US" sz="1200" b="0" dirty="0"/>
+                        <a:t>상</a:t>
+                      </a:r>
+                      <a:endParaRPr lang="ko-KR" altLang="en-US" sz="1200" b="0" u="none" strike="noStrike" cap="none" dirty="0">
+                        <a:solidFill>
+                          <a:schemeClr val="tx1"/>
+                        </a:solidFill>
+                      </a:endParaRPr>
+                    </a:p>
+                  </a:txBody>
+                  <a:tcPr marL="91450" marR="91450" marT="45725" marB="45725" anchor="ctr"/>
+                </a:tc>
                 <a:extLst>
                   <a:ext uri="{0D108BD9-81ED-4DB2-BD59-A6C34878D82A}">
-                    <a16:rowId xmlns:a16="http://schemas.microsoft.com/office/drawing/2014/main" val="4108209139"/>
+                    <a16:rowId xmlns:a16="http://schemas.microsoft.com/office/drawing/2014/main" val="10004"/>
                   </a:ext>
                 </a:extLst>
               </a:tr>
@@ -15949,7 +15841,7 @@
                     <a:bodyPr/>
                     <a:lstStyle/>
                     <a:p>
-                      <a:pPr marL="0" marR="0" lvl="0" indent="0" algn="ctr" rtl="0">
+                      <a:pPr marL="0" marR="0" lvl="0" indent="0" algn="l" rtl="0">
                         <a:lnSpc>
                           <a:spcPct val="100000"/>
                         </a:lnSpc>
@@ -15959,21 +15851,12 @@
                         <a:spcAft>
                           <a:spcPts val="0"/>
                         </a:spcAft>
-                        <a:buClr>
-                          <a:srgbClr val="000000"/>
-                        </a:buClr>
-                        <a:buSzPts val="1400"/>
-                        <a:buFont typeface="Arial"/>
                         <a:buNone/>
                       </a:pPr>
-                      <a:endParaRPr sz="1200" b="0" i="0" u="none" strike="noStrike" cap="none">
+                      <a:endParaRPr sz="1200" b="0" u="none" strike="noStrike" cap="none">
                         <a:solidFill>
-                          <a:schemeClr val="dk1"/>
+                          <a:schemeClr val="tx1"/>
                         </a:solidFill>
-                        <a:latin typeface="Calibri"/>
-                        <a:ea typeface="Calibri"/>
-                        <a:cs typeface="Calibri"/>
-                        <a:sym typeface="Calibri"/>
                       </a:endParaRPr>
                     </a:p>
                   </a:txBody>
@@ -15986,10 +15869,18 @@
                     <a:p>
                       <a:pPr algn="ctr"/>
                       <a:r>
-                        <a:rPr lang="ko-KR" altLang="en-US" sz="1200" dirty="0"/>
+                        <a:rPr lang="ko-KR" altLang="en-US" sz="1200" dirty="0">
+                          <a:solidFill>
+                            <a:srgbClr val="FF0000"/>
+                          </a:solidFill>
+                        </a:rPr>
                         <a:t>서보 모터</a:t>
                       </a:r>
-                      <a:endParaRPr lang="en-US" sz="1200" dirty="0"/>
+                      <a:endParaRPr lang="en-US" sz="1200" dirty="0">
+                        <a:solidFill>
+                          <a:srgbClr val="FF0000"/>
+                        </a:solidFill>
+                      </a:endParaRPr>
                     </a:p>
                   </a:txBody>
                   <a:tcPr marL="91450" marR="91450" marT="45725" marB="45725" anchor="ctr"/>
@@ -16000,22 +15891,58 @@
                     <a:lstStyle/>
                     <a:p>
                       <a:r>
-                        <a:rPr lang="ko-KR" altLang="en-US" sz="1200" dirty="0"/>
-                        <a:t>서보 모터 소형</a:t>
+                        <a:rPr lang="ko-KR" altLang="en-US" sz="1200" dirty="0" err="1">
+                          <a:solidFill>
+                            <a:srgbClr val="FF0000"/>
+                          </a:solidFill>
+                        </a:rPr>
+                        <a:t>서보</a:t>
                       </a:r>
                       <a:r>
-                        <a:rPr lang="en-US" altLang="ko-KR" sz="1200" dirty="0"/>
+                        <a:rPr lang="ko-KR" altLang="en-US" sz="1200" dirty="0">
+                          <a:solidFill>
+                            <a:srgbClr val="FF0000"/>
+                          </a:solidFill>
+                        </a:rPr>
+                        <a:t> 모터 소형</a:t>
+                      </a:r>
+                      <a:r>
+                        <a:rPr lang="en-US" altLang="ko-KR" sz="1200" dirty="0">
+                          <a:solidFill>
+                            <a:srgbClr val="FF0000"/>
+                          </a:solidFill>
+                        </a:rPr>
                         <a:t>(MG90S </a:t>
                       </a:r>
                       <a:r>
-                        <a:rPr lang="ko-KR" altLang="en-US" sz="1200" dirty="0"/>
+                        <a:rPr lang="ko-KR" altLang="en-US" sz="1200" dirty="0">
+                          <a:solidFill>
+                            <a:srgbClr val="FF0000"/>
+                          </a:solidFill>
+                        </a:rPr>
                         <a:t>급</a:t>
                       </a:r>
                       <a:r>
-                        <a:rPr lang="en-US" altLang="ko-KR" sz="1200" dirty="0"/>
-                        <a:t>)</a:t>
+                        <a:rPr lang="en-US" altLang="ko-KR" sz="1200" dirty="0">
+                          <a:solidFill>
+                            <a:srgbClr val="FF0000"/>
+                          </a:solidFill>
+                        </a:rPr>
+                        <a:t>)        -      12</a:t>
                       </a:r>
-                      <a:endParaRPr lang="en-US" sz="1200" dirty="0"/>
+                      <a:r>
+                        <a:rPr lang="ko-KR" altLang="en-US" sz="1200" dirty="0">
+                          <a:solidFill>
+                            <a:srgbClr val="FF0000"/>
+                          </a:solidFill>
+                        </a:rPr>
+                        <a:t>개 입고</a:t>
+                      </a:r>
+                      <a:endParaRPr lang="en-US" sz="1200" dirty="0">
+                        <a:solidFill>
+                          <a:srgbClr val="FF0000"/>
+                        </a:solidFill>
+                      </a:endParaRPr>
                     </a:p>
                   </a:txBody>
                   <a:tcPr marL="91450" marR="91450" marT="45725" marB="45725" anchor="ctr"/>
@@ -16047,14 +15974,14 @@
                       <a:r>
                         <a:rPr lang="en-US" altLang="ko-KR" sz="1200" b="0" u="none" strike="noStrike" cap="none" dirty="0">
                           <a:solidFill>
-                            <a:schemeClr val="tx1"/>
+                            <a:srgbClr val="FF0000"/>
                           </a:solidFill>
                         </a:rPr>
                         <a:t>0.3</a:t>
                       </a:r>
                       <a:endParaRPr lang="ko-KR" altLang="en-US" sz="1200" b="0" u="none" strike="noStrike" cap="none" dirty="0">
                         <a:solidFill>
-                          <a:schemeClr val="tx1"/>
+                          <a:srgbClr val="FF0000"/>
                         </a:solidFill>
                       </a:endParaRPr>
                     </a:p>
@@ -16086,14 +16013,14 @@
                       <a:r>
                         <a:rPr lang="en-US" sz="1200" b="0" u="none" strike="noStrike" cap="none" dirty="0">
                           <a:solidFill>
-                            <a:schemeClr val="tx1"/>
+                            <a:srgbClr val="FF0000"/>
                           </a:solidFill>
                         </a:rPr>
                         <a:t>20</a:t>
                       </a:r>
                       <a:endParaRPr sz="1200" b="0" u="none" strike="noStrike" cap="none" dirty="0">
                         <a:solidFill>
-                          <a:schemeClr val="tx1"/>
+                          <a:srgbClr val="FF0000"/>
                         </a:solidFill>
                       </a:endParaRPr>
                     </a:p>
@@ -16125,14 +16052,55 @@
                       <a:r>
                         <a:rPr lang="en-US" sz="1200" b="0" u="none" strike="noStrike" cap="none" dirty="0">
                           <a:solidFill>
-                            <a:schemeClr val="tx1"/>
+                            <a:srgbClr val="FF0000"/>
                           </a:solidFill>
                         </a:rPr>
                         <a:t>6</a:t>
                       </a:r>
                       <a:endParaRPr sz="1200" b="0" u="none" strike="noStrike" cap="none" dirty="0">
                         <a:solidFill>
-                          <a:schemeClr val="tx1"/>
+                          <a:srgbClr val="FF0000"/>
+                        </a:solidFill>
+                      </a:endParaRPr>
+                    </a:p>
+                  </a:txBody>
+                  <a:tcPr marL="91450" marR="91450" marT="45725" marB="45725" anchor="ctr"/>
+                </a:tc>
+                <a:tc>
+                  <a:txBody>
+                    <a:bodyPr/>
+                    <a:lstStyle/>
+                    <a:p>
+                      <a:pPr marL="0" marR="0" lvl="0" indent="0" algn="ctr" defTabSz="914400" rtl="0" eaLnBrk="1" fontAlgn="auto" latinLnBrk="0" hangingPunct="1">
+                        <a:lnSpc>
+                          <a:spcPct val="100000"/>
+                        </a:lnSpc>
+                        <a:spcBef>
+                          <a:spcPts val="0"/>
+                        </a:spcBef>
+                        <a:spcAft>
+                          <a:spcPts val="0"/>
+                        </a:spcAft>
+                        <a:buClr>
+                          <a:srgbClr val="000000"/>
+                        </a:buClr>
+                        <a:buSzPts val="1400"/>
+                        <a:buFont typeface="Arial"/>
+                        <a:buNone/>
+                        <a:tabLst/>
+                        <a:defRPr/>
+                      </a:pPr>
+                      <a:r>
+                        <a:rPr lang="ko-KR" altLang="en-US" sz="1200" b="0" dirty="0">
+                          <a:solidFill>
+                            <a:srgbClr val="FF0000"/>
+                          </a:solidFill>
+                        </a:rPr>
+                        <a:t>상</a:t>
+                      </a:r>
+                      <a:endParaRPr lang="ko-KR" altLang="en-US" sz="1200" b="0" u="none" strike="noStrike" cap="none" dirty="0">
+                        <a:solidFill>
+                          <a:srgbClr val="FF0000"/>
                         </a:solidFill>
                       </a:endParaRPr>
                     </a:p>
@@ -16141,7 +16109,7 @@
                 </a:tc>
                 <a:extLst>
                   <a:ext uri="{0D108BD9-81ED-4DB2-BD59-A6C34878D82A}">
-                    <a16:rowId xmlns:a16="http://schemas.microsoft.com/office/drawing/2014/main" val="2661208463"/>
+                    <a16:rowId xmlns:a16="http://schemas.microsoft.com/office/drawing/2014/main" val="4108209139"/>
                   </a:ext>
                 </a:extLst>
               </a:tr>
@@ -16321,7 +16289,7 @@
                         <a:buNone/>
                       </a:pPr>
                       <a:r>
-                        <a:rPr lang="en-US" sz="1200" b="0" u="none" strike="noStrike" cap="none">
+                        <a:rPr lang="en-US" sz="1200" b="0" u="none" strike="noStrike" cap="none" dirty="0">
                           <a:solidFill>
                             <a:schemeClr val="tx1"/>
                           </a:solidFill>
@@ -16337,9 +16305,46 @@
                   </a:txBody>
                   <a:tcPr marL="91450" marR="91450" marT="45725" marB="45725" anchor="ctr"/>
                 </a:tc>
+                <a:tc>
+                  <a:txBody>
+                    <a:bodyPr/>
+                    <a:lstStyle/>
+                    <a:p>
+                      <a:pPr marL="0" marR="0" lvl="0" indent="0" algn="ctr" defTabSz="914400" rtl="0" eaLnBrk="1" fontAlgn="auto" latinLnBrk="0" hangingPunct="1">
+                        <a:lnSpc>
+                          <a:spcPct val="100000"/>
+                        </a:lnSpc>
+                        <a:spcBef>
+                          <a:spcPts val="0"/>
+                        </a:spcBef>
+                        <a:spcAft>
+                          <a:spcPts val="0"/>
+                        </a:spcAft>
+                        <a:buClr>
+                          <a:srgbClr val="000000"/>
+                        </a:buClr>
+                        <a:buSzPts val="1400"/>
+                        <a:buFont typeface="Arial"/>
+                        <a:buNone/>
+                        <a:tabLst/>
+                        <a:defRPr/>
+                      </a:pPr>
+                      <a:r>
+                        <a:rPr lang="ko-KR" altLang="en-US" sz="1200" b="0" dirty="0"/>
+                        <a:t>상</a:t>
+                      </a:r>
+                      <a:endParaRPr lang="ko-KR" altLang="en-US" sz="1200" b="0" u="none" strike="noStrike" cap="none" dirty="0">
+                        <a:solidFill>
+                          <a:schemeClr val="tx1"/>
+                        </a:solidFill>
+                      </a:endParaRPr>
+                    </a:p>
+                  </a:txBody>
+                  <a:tcPr marL="91450" marR="91450" marT="45725" marB="45725" anchor="ctr"/>
+                </a:tc>
                 <a:extLst>
                   <a:ext uri="{0D108BD9-81ED-4DB2-BD59-A6C34878D82A}">
-                    <a16:rowId xmlns:a16="http://schemas.microsoft.com/office/drawing/2014/main" val="1300360663"/>
+                    <a16:rowId xmlns:a16="http://schemas.microsoft.com/office/drawing/2014/main" val="2661208463"/>
                   </a:ext>
                 </a:extLst>
               </a:tr>
@@ -16417,7 +16422,7 @@
                       </a:r>
                       <a:r>
                         <a:rPr lang="ko-KR" altLang="en-US" sz="1200" dirty="0"/>
-                        <a:t>만원 대</a:t>
+                        <a:t>만원 대  </a:t>
                       </a:r>
                       <a:endParaRPr lang="en-US" sz="1200" dirty="0"/>
                     </a:p>
@@ -16454,7 +16459,7 @@
                             <a:schemeClr val="tx1"/>
                           </a:solidFill>
                         </a:rPr>
-                        <a:t>10</a:t>
+                        <a:t>4</a:t>
                       </a:r>
                       <a:endParaRPr lang="ko-KR" altLang="en-US" sz="1200" b="0" u="none" strike="noStrike" cap="none" dirty="0">
                         <a:solidFill>
@@ -16493,7 +16498,7 @@
                             <a:schemeClr val="tx1"/>
                           </a:solidFill>
                         </a:rPr>
-                        <a:t>2</a:t>
+                        <a:t>3</a:t>
                       </a:r>
                       <a:endParaRPr sz="1200" b="0" u="none" strike="noStrike" cap="none" dirty="0">
                         <a:solidFill>
@@ -16532,7 +16537,7 @@
                             <a:schemeClr val="tx1"/>
                           </a:solidFill>
                         </a:rPr>
-                        <a:t>2</a:t>
+                        <a:t>12</a:t>
                       </a:r>
                       <a:endParaRPr sz="1200" b="0" u="none" strike="noStrike" cap="none" dirty="0">
                         <a:solidFill>
@@ -16543,9 +16548,46 @@
                   </a:txBody>
                   <a:tcPr marL="91450" marR="91450" marT="45725" marB="45725" anchor="ctr"/>
                 </a:tc>
+                <a:tc>
+                  <a:txBody>
+                    <a:bodyPr/>
+                    <a:lstStyle/>
+                    <a:p>
+                      <a:pPr marL="0" marR="0" lvl="0" indent="0" algn="ctr" defTabSz="914400" rtl="0" eaLnBrk="1" fontAlgn="auto" latinLnBrk="0" hangingPunct="1">
+                        <a:lnSpc>
+                          <a:spcPct val="100000"/>
+                        </a:lnSpc>
+                        <a:spcBef>
+                          <a:spcPts val="0"/>
+                        </a:spcBef>
+                        <a:spcAft>
+                          <a:spcPts val="0"/>
+                        </a:spcAft>
+                        <a:buClr>
+                          <a:srgbClr val="000000"/>
+                        </a:buClr>
+                        <a:buSzPts val="1400"/>
+                        <a:buFont typeface="Arial"/>
+                        <a:buNone/>
+                        <a:tabLst/>
+                        <a:defRPr/>
+                      </a:pPr>
+                      <a:r>
+                        <a:rPr lang="ko-KR" altLang="en-US" sz="1200" b="0" dirty="0"/>
+                        <a:t>상</a:t>
+                      </a:r>
+                      <a:endParaRPr lang="ko-KR" altLang="en-US" sz="1200" b="0" u="none" strike="noStrike" cap="none" dirty="0">
+                        <a:solidFill>
+                          <a:schemeClr val="tx1"/>
+                        </a:solidFill>
+                      </a:endParaRPr>
+                    </a:p>
+                  </a:txBody>
+                  <a:tcPr marL="91450" marR="91450" marT="45725" marB="45725" anchor="ctr"/>
+                </a:tc>
                 <a:extLst>
                   <a:ext uri="{0D108BD9-81ED-4DB2-BD59-A6C34878D82A}">
-                    <a16:rowId xmlns:a16="http://schemas.microsoft.com/office/drawing/2014/main" val="10005"/>
+                    <a16:rowId xmlns:a16="http://schemas.microsoft.com/office/drawing/2014/main" val="1300360663"/>
                   </a:ext>
                 </a:extLst>
               </a:tr>
@@ -16567,231 +16609,7 @@
                         </a:spcAft>
                         <a:buNone/>
                       </a:pPr>
-                      <a:endParaRPr sz="1200" b="0" u="none" strike="noStrike" cap="none" dirty="0">
-                        <a:solidFill>
-                          <a:schemeClr val="tx1"/>
-                        </a:solidFill>
-                      </a:endParaRPr>
-                    </a:p>
-                  </a:txBody>
-                  <a:tcPr marL="91450" marR="91450" marT="45725" marB="45725" anchor="ctr"/>
-                </a:tc>
-                <a:tc>
-                  <a:txBody>
-                    <a:bodyPr/>
-                    <a:lstStyle/>
-                    <a:p>
-                      <a:pPr algn="ctr"/>
-                      <a:r>
-                        <a:rPr lang="en-US" sz="1200" dirty="0"/>
-                        <a:t>RC </a:t>
-                      </a:r>
-                      <a:r>
-                        <a:rPr lang="ko-KR" altLang="en-US" sz="1200" dirty="0"/>
-                        <a:t>수신기</a:t>
-                      </a:r>
-                      <a:endParaRPr lang="en-US" sz="1200" dirty="0"/>
-                    </a:p>
-                  </a:txBody>
-                  <a:tcPr marL="91450" marR="91450" marT="45725" marB="45725" anchor="ctr"/>
-                </a:tc>
-                <a:tc>
-                  <a:txBody>
-                    <a:bodyPr/>
-                    <a:lstStyle/>
-                    <a:p>
-                      <a:r>
-                        <a:rPr lang="en-US" sz="1200" dirty="0"/>
-                        <a:t>5</a:t>
-                      </a:r>
-                      <a:r>
-                        <a:rPr lang="ko-KR" altLang="en-US" sz="1200" dirty="0"/>
-                        <a:t>만원 대</a:t>
-                      </a:r>
-                      <a:endParaRPr lang="en-US" sz="1200" dirty="0"/>
-                    </a:p>
-                  </a:txBody>
-                  <a:tcPr marL="91450" marR="91450" marT="45725" marB="45725" anchor="ctr"/>
-                </a:tc>
-                <a:tc>
-                  <a:txBody>
-                    <a:bodyPr/>
-                    <a:lstStyle/>
-                    <a:p>
-                      <a:pPr algn="r"/>
-                      <a:r>
-                        <a:rPr lang="en-US" sz="1200" b="0" dirty="0"/>
-                        <a:t>5</a:t>
-                      </a:r>
-                    </a:p>
-                  </a:txBody>
-                  <a:tcPr marL="91450" marR="91450" marT="45725" marB="45725" anchor="ctr"/>
-                </a:tc>
-                <a:tc>
-                  <a:txBody>
-                    <a:bodyPr/>
-                    <a:lstStyle/>
-                    <a:p>
-                      <a:pPr algn="ctr"/>
-                      <a:r>
-                        <a:rPr lang="en-US" sz="1200" b="0" dirty="0"/>
-                        <a:t>3</a:t>
-                      </a:r>
-                    </a:p>
-                  </a:txBody>
-                  <a:tcPr marL="91450" marR="91450" marT="45725" marB="45725" anchor="ctr"/>
-                </a:tc>
-                <a:tc>
-                  <a:txBody>
-                    <a:bodyPr/>
-                    <a:lstStyle/>
-                    <a:p>
-                      <a:pPr algn="ctr"/>
-                      <a:r>
-                        <a:rPr lang="en-US" sz="1200" b="0" dirty="0"/>
-                        <a:t>15</a:t>
-                      </a:r>
-                    </a:p>
-                  </a:txBody>
-                  <a:tcPr marL="91450" marR="91450" marT="45725" marB="45725" anchor="ctr"/>
-                </a:tc>
-                <a:extLst>
-                  <a:ext uri="{0D108BD9-81ED-4DB2-BD59-A6C34878D82A}">
-                    <a16:rowId xmlns:a16="http://schemas.microsoft.com/office/drawing/2014/main" val="645934193"/>
-                  </a:ext>
-                </a:extLst>
-              </a:tr>
-              <a:tr h="309016">
-                <a:tc>
-                  <a:txBody>
-                    <a:bodyPr/>
-                    <a:lstStyle/>
-                    <a:p>
-                      <a:pPr marL="0" marR="0" lvl="0" indent="0" algn="l" rtl="0">
-                        <a:lnSpc>
-                          <a:spcPct val="100000"/>
-                        </a:lnSpc>
-                        <a:spcBef>
-                          <a:spcPts val="0"/>
-                        </a:spcBef>
-                        <a:spcAft>
-                          <a:spcPts val="0"/>
-                        </a:spcAft>
-                        <a:buNone/>
-                      </a:pPr>
                       <a:endParaRPr sz="1200" b="0" u="none" strike="noStrike" cap="none">
-                        <a:solidFill>
-                          <a:schemeClr val="tx1"/>
-                        </a:solidFill>
-                      </a:endParaRPr>
-                    </a:p>
-                  </a:txBody>
-                  <a:tcPr marL="91450" marR="91450" marT="45725" marB="45725" anchor="ctr"/>
-                </a:tc>
-                <a:tc>
-                  <a:txBody>
-                    <a:bodyPr/>
-                    <a:lstStyle/>
-                    <a:p>
-                      <a:pPr algn="ctr"/>
-                      <a:r>
-                        <a:rPr lang="en-US" sz="1200" dirty="0"/>
-                        <a:t>RC </a:t>
-                      </a:r>
-                      <a:r>
-                        <a:rPr lang="ko-KR" altLang="en-US" sz="1200" dirty="0"/>
-                        <a:t>송신기</a:t>
-                      </a:r>
-                      <a:endParaRPr lang="en-US" sz="1200" dirty="0"/>
-                    </a:p>
-                  </a:txBody>
-                  <a:tcPr marL="91450" marR="91450" marT="45725" marB="45725" anchor="ctr"/>
-                </a:tc>
-                <a:tc>
-                  <a:txBody>
-                    <a:bodyPr/>
-                    <a:lstStyle/>
-                    <a:p>
-                      <a:r>
-                        <a:rPr lang="en-US" sz="1200" dirty="0"/>
-                        <a:t>10</a:t>
-                      </a:r>
-                      <a:r>
-                        <a:rPr lang="ko-KR" altLang="en-US" sz="1200" dirty="0"/>
-                        <a:t>만원 대</a:t>
-                      </a:r>
-                      <a:endParaRPr lang="en-US" sz="1200" dirty="0"/>
-                    </a:p>
-                  </a:txBody>
-                  <a:tcPr marL="91450" marR="91450" marT="45725" marB="45725" anchor="ctr"/>
-                </a:tc>
-                <a:tc>
-                  <a:txBody>
-                    <a:bodyPr/>
-                    <a:lstStyle/>
-                    <a:p>
-                      <a:pPr algn="r"/>
-                      <a:r>
-                        <a:rPr lang="en-US" sz="1200" b="0" dirty="0"/>
-                        <a:t>10</a:t>
-                      </a:r>
-                    </a:p>
-                  </a:txBody>
-                  <a:tcPr marL="91450" marR="91450" marT="45725" marB="45725" anchor="ctr"/>
-                </a:tc>
-                <a:tc>
-                  <a:txBody>
-                    <a:bodyPr/>
-                    <a:lstStyle/>
-                    <a:p>
-                      <a:pPr algn="ctr"/>
-                      <a:r>
-                        <a:rPr lang="en-US" sz="1200" b="0" dirty="0"/>
-                        <a:t>1</a:t>
-                      </a:r>
-                    </a:p>
-                  </a:txBody>
-                  <a:tcPr marL="91450" marR="91450" marT="45725" marB="45725" anchor="ctr"/>
-                </a:tc>
-                <a:tc>
-                  <a:txBody>
-                    <a:bodyPr/>
-                    <a:lstStyle/>
-                    <a:p>
-                      <a:pPr algn="ctr"/>
-                      <a:r>
-                        <a:rPr lang="en-US" sz="1200" b="0" dirty="0"/>
-                        <a:t>10</a:t>
-                      </a:r>
-                    </a:p>
-                  </a:txBody>
-                  <a:tcPr marL="91450" marR="91450" marT="45725" marB="45725" anchor="ctr"/>
-                </a:tc>
-                <a:extLst>
-                  <a:ext uri="{0D108BD9-81ED-4DB2-BD59-A6C34878D82A}">
-                    <a16:rowId xmlns:a16="http://schemas.microsoft.com/office/drawing/2014/main" val="266021974"/>
-                  </a:ext>
-                </a:extLst>
-              </a:tr>
-              <a:tr h="309016">
-                <a:tc>
-                  <a:txBody>
-                    <a:bodyPr/>
-                    <a:lstStyle/>
-                    <a:p>
-                      <a:pPr marL="0" marR="0" lvl="0" indent="0" algn="l" rtl="0">
-                        <a:lnSpc>
-                          <a:spcPct val="100000"/>
-                        </a:lnSpc>
-                        <a:spcBef>
-                          <a:spcPts val="0"/>
-                        </a:spcBef>
-                        <a:spcAft>
-                          <a:spcPts val="0"/>
-                        </a:spcAft>
-                        <a:buNone/>
-                      </a:pPr>
-                      <a:endParaRPr sz="1200" b="0" u="none" strike="noStrike" cap="none" dirty="0">
                         <a:solidFill>
                           <a:schemeClr val="tx1"/>
                         </a:solidFill>
@@ -16946,9 +16764,24 @@
                   </a:txBody>
                   <a:tcPr marL="91450" marR="91450" marT="45725" marB="45725" anchor="ctr"/>
                 </a:tc>
+                <a:tc>
+                  <a:txBody>
+                    <a:bodyPr/>
+                    <a:lstStyle/>
+                    <a:p>
+                      <a:pPr algn="ctr"/>
+                      <a:endParaRPr lang="en-US" sz="1200" b="0" dirty="0">
+                        <a:solidFill>
+                          <a:schemeClr val="tx1"/>
+                        </a:solidFill>
+                      </a:endParaRPr>
+                    </a:p>
+                  </a:txBody>
+                  <a:tcPr marL="91450" marR="91450" marT="45725" marB="45725" anchor="ctr"/>
+                </a:tc>
                 <a:extLst>
                   <a:ext uri="{0D108BD9-81ED-4DB2-BD59-A6C34878D82A}">
-                    <a16:rowId xmlns:a16="http://schemas.microsoft.com/office/drawing/2014/main" val="3205699923"/>
+                    <a16:rowId xmlns:a16="http://schemas.microsoft.com/office/drawing/2014/main" val="266021974"/>
                   </a:ext>
                 </a:extLst>
               </a:tr>
@@ -16970,7 +16803,7 @@
                         </a:spcAft>
                         <a:buNone/>
                       </a:pPr>
-                      <a:endParaRPr sz="1200" b="0" u="none" strike="noStrike" cap="none">
+                      <a:endParaRPr sz="1200" b="0" u="none" strike="noStrike" cap="none" dirty="0">
                         <a:solidFill>
                           <a:schemeClr val="tx1"/>
                         </a:solidFill>
@@ -17088,9 +16921,20 @@
                   </a:txBody>
                   <a:tcPr marL="91450" marR="91450" marT="45725" marB="45725" anchor="ctr"/>
                 </a:tc>
+                <a:tc>
+                  <a:txBody>
+                    <a:bodyPr/>
+                    <a:lstStyle/>
+                    <a:p>
+                      <a:pPr algn="ctr"/>
+                      <a:endParaRPr lang="en-US" sz="1200" dirty="0"/>
+                    </a:p>
+                  </a:txBody>
+                  <a:tcPr marL="91450" marR="91450" marT="45725" marB="45725" anchor="ctr"/>
+                </a:tc>
                 <a:extLst>
                   <a:ext uri="{0D108BD9-81ED-4DB2-BD59-A6C34878D82A}">
-                    <a16:rowId xmlns:a16="http://schemas.microsoft.com/office/drawing/2014/main" val="1868689973"/>
+                    <a16:rowId xmlns:a16="http://schemas.microsoft.com/office/drawing/2014/main" val="3205699923"/>
                   </a:ext>
                 </a:extLst>
               </a:tr>
@@ -17238,9 +17082,258 @@
                   </a:txBody>
                   <a:tcPr marL="91450" marR="91450" marT="45725" marB="45725" anchor="ctr"/>
                 </a:tc>
+                <a:tc>
+                  <a:txBody>
+                    <a:bodyPr/>
+                    <a:lstStyle/>
+                    <a:p>
+                      <a:pPr algn="ctr"/>
+                      <a:endParaRPr lang="en-US" sz="1200" dirty="0"/>
+                    </a:p>
+                  </a:txBody>
+                  <a:tcPr marL="91450" marR="91450" marT="45725" marB="45725" anchor="ctr"/>
+                </a:tc>
                 <a:extLst>
                   <a:ext uri="{0D108BD9-81ED-4DB2-BD59-A6C34878D82A}">
-                    <a16:rowId xmlns:a16="http://schemas.microsoft.com/office/drawing/2014/main" val="2202924531"/>
+                    <a16:rowId xmlns:a16="http://schemas.microsoft.com/office/drawing/2014/main" val="1868689973"/>
+                  </a:ext>
+                </a:extLst>
+              </a:tr>
+              <a:tr h="309016">
+                <a:tc>
+                  <a:txBody>
+                    <a:bodyPr/>
+                    <a:lstStyle/>
+                    <a:p>
+                      <a:pPr marL="0" marR="0" lvl="0" indent="0" algn="l" rtl="0">
+                        <a:lnSpc>
+                          <a:spcPct val="100000"/>
+                        </a:lnSpc>
+                        <a:spcBef>
+                          <a:spcPts val="0"/>
+                        </a:spcBef>
+                        <a:spcAft>
+                          <a:spcPts val="0"/>
+                        </a:spcAft>
+                        <a:buNone/>
+                      </a:pPr>
+                      <a:endParaRPr sz="1200" b="0" u="none" strike="noStrike" cap="none">
+                        <a:solidFill>
+                          <a:schemeClr val="tx1"/>
+                        </a:solidFill>
+                      </a:endParaRPr>
+                    </a:p>
+                  </a:txBody>
+                  <a:tcPr marL="91450" marR="91450" marT="45725" marB="45725" anchor="ctr"/>
+                </a:tc>
+                <a:tc>
+                  <a:txBody>
+                    <a:bodyPr/>
+                    <a:lstStyle/>
+                    <a:p>
+                      <a:pPr marL="0" marR="0" lvl="0" indent="0" algn="ctr" rtl="0">
+                        <a:lnSpc>
+                          <a:spcPct val="100000"/>
+                        </a:lnSpc>
+                        <a:spcBef>
+                          <a:spcPts val="0"/>
+                        </a:spcBef>
+                        <a:spcAft>
+                          <a:spcPts val="0"/>
+                        </a:spcAft>
+                        <a:buNone/>
+                      </a:pPr>
+                      <a:r>
+                        <a:rPr lang="en-US" sz="1200" b="0" u="none" strike="noStrike" cap="none" dirty="0">
+                          <a:solidFill>
+                            <a:srgbClr val="FF0000"/>
+                          </a:solidFill>
+                        </a:rPr>
+                        <a:t>SD</a:t>
+                      </a:r>
+                      <a:r>
+                        <a:rPr lang="ko-KR" altLang="en-US" sz="1200" b="0" u="none" strike="noStrike" cap="none" dirty="0">
+                          <a:solidFill>
+                            <a:srgbClr val="FF0000"/>
+                          </a:solidFill>
+                        </a:rPr>
+                        <a:t> 카드</a:t>
+                      </a:r>
+                      <a:endParaRPr sz="1200" b="0" u="none" strike="noStrike" cap="none" dirty="0">
+                        <a:solidFill>
+                          <a:srgbClr val="FF0000"/>
+                        </a:solidFill>
+                      </a:endParaRPr>
+                    </a:p>
+                  </a:txBody>
+                  <a:tcPr marL="91450" marR="91450" marT="45725" marB="45725" anchor="ctr"/>
+                </a:tc>
+                <a:tc>
+                  <a:txBody>
+                    <a:bodyPr/>
+                    <a:lstStyle/>
+                    <a:p>
+                      <a:pPr marL="0" marR="0" lvl="0" indent="0" algn="l" defTabSz="914400" rtl="0" eaLnBrk="1" fontAlgn="auto" latinLnBrk="0" hangingPunct="1">
+                        <a:lnSpc>
+                          <a:spcPct val="100000"/>
+                        </a:lnSpc>
+                        <a:spcBef>
+                          <a:spcPts val="0"/>
+                        </a:spcBef>
+                        <a:spcAft>
+                          <a:spcPts val="0"/>
+                        </a:spcAft>
+                        <a:buClr>
+                          <a:schemeClr val="dk1"/>
+                        </a:buClr>
+                        <a:buSzPts val="1400"/>
+                        <a:buFont typeface="Calibri"/>
+                        <a:buNone/>
+                        <a:tabLst/>
+                        <a:defRPr/>
+                      </a:pPr>
+                      <a:r>
+                        <a:rPr lang="ko-KR" altLang="en-US" sz="1200" b="0" dirty="0">
+                          <a:solidFill>
+                            <a:srgbClr val="FF0000"/>
+                          </a:solidFill>
+                        </a:rPr>
+                        <a:t>삼성</a:t>
+                      </a:r>
+                      <a:r>
+                        <a:rPr lang="en-US" altLang="ko-KR" sz="1200" b="0" dirty="0">
+                          <a:solidFill>
+                            <a:srgbClr val="FF0000"/>
+                          </a:solidFill>
+                        </a:rPr>
+                        <a:t>/</a:t>
+                      </a:r>
+                      <a:r>
+                        <a:rPr lang="ko-KR" altLang="en-US" sz="1200" b="0" dirty="0" err="1">
+                          <a:solidFill>
+                            <a:srgbClr val="FF0000"/>
+                          </a:solidFill>
+                        </a:rPr>
+                        <a:t>샌디스크</a:t>
+                      </a:r>
+                      <a:r>
+                        <a:rPr lang="ko-KR" altLang="en-US" sz="1200" b="0" dirty="0">
+                          <a:solidFill>
+                            <a:srgbClr val="FF0000"/>
+                          </a:solidFill>
+                        </a:rPr>
+                        <a:t> </a:t>
+                      </a:r>
+                      <a:r>
+                        <a:rPr lang="en-US" altLang="ko-KR" sz="1200" b="0" dirty="0">
+                          <a:solidFill>
+                            <a:srgbClr val="FF0000"/>
+                          </a:solidFill>
+                        </a:rPr>
+                        <a:t>32</a:t>
+                      </a:r>
+                    </a:p>
+                  </a:txBody>
+                  <a:tcPr marL="91450" marR="91450" marT="45725" marB="45725" anchor="ctr"/>
+                </a:tc>
+                <a:tc>
+                  <a:txBody>
+                    <a:bodyPr/>
+                    <a:lstStyle/>
+                    <a:p>
+                      <a:pPr algn="r"/>
+                      <a:r>
+                        <a:rPr lang="en-US" sz="1200" dirty="0">
+                          <a:solidFill>
+                            <a:srgbClr val="FF0000"/>
+                          </a:solidFill>
+                        </a:rPr>
+                        <a:t>1.2</a:t>
+                      </a:r>
+                    </a:p>
+                  </a:txBody>
+                  <a:tcPr marL="91450" marR="91450" marT="45725" marB="45725" anchor="ctr"/>
+                </a:tc>
+                <a:tc>
+                  <a:txBody>
+                    <a:bodyPr/>
+                    <a:lstStyle/>
+                    <a:p>
+                      <a:pPr algn="ctr"/>
+                      <a:r>
+                        <a:rPr lang="en-US" sz="1200" dirty="0">
+                          <a:solidFill>
+                            <a:srgbClr val="FF0000"/>
+                          </a:solidFill>
+                        </a:rPr>
+                        <a:t>10</a:t>
+                      </a:r>
+                    </a:p>
+                  </a:txBody>
+                  <a:tcPr marL="91450" marR="91450" marT="45725" marB="45725" anchor="ctr"/>
+                </a:tc>
+                <a:tc>
+                  <a:txBody>
+                    <a:bodyPr/>
+                    <a:lstStyle/>
+                    <a:p>
+                      <a:pPr algn="ctr"/>
+                      <a:r>
+                        <a:rPr lang="en-US" sz="1200" dirty="0">
+                          <a:solidFill>
+                            <a:srgbClr val="FF0000"/>
+                          </a:solidFill>
+                        </a:rPr>
+                        <a:t>12</a:t>
+                      </a:r>
+                    </a:p>
+                  </a:txBody>
+                  <a:tcPr marL="91450" marR="91450" marT="45725" marB="45725" anchor="ctr"/>
+                </a:tc>
+                <a:tc>
+                  <a:txBody>
+                    <a:bodyPr/>
+                    <a:lstStyle/>
+                    <a:p>
+                      <a:pPr marL="0" marR="0" lvl="0" indent="0" algn="ctr" defTabSz="914400" rtl="0" eaLnBrk="1" fontAlgn="auto" latinLnBrk="0" hangingPunct="1">
+                        <a:lnSpc>
+                          <a:spcPct val="100000"/>
+                        </a:lnSpc>
+                        <a:spcBef>
+                          <a:spcPts val="0"/>
+                        </a:spcBef>
+                        <a:spcAft>
+                          <a:spcPts val="0"/>
+                        </a:spcAft>
+                        <a:buClr>
+                          <a:srgbClr val="000000"/>
+                        </a:buClr>
+                        <a:buSzTx/>
+                        <a:buFont typeface="Arial"/>
+                        <a:buNone/>
+                        <a:tabLst/>
+                        <a:defRPr/>
+                      </a:pPr>
+                      <a:r>
+                        <a:rPr lang="ko-KR" altLang="en-US" sz="1200" b="0" dirty="0">
+                          <a:solidFill>
+                            <a:srgbClr val="FF0000"/>
+                          </a:solidFill>
+                        </a:rPr>
+                        <a:t>상</a:t>
+                      </a:r>
+                      <a:endParaRPr lang="ko-KR" altLang="en-US" sz="1200" b="0" u="none" strike="noStrike" cap="none" dirty="0">
+                        <a:solidFill>
+                          <a:srgbClr val="FF0000"/>
+                        </a:solidFill>
+                      </a:endParaRPr>
+                    </a:p>
+                  </a:txBody>
+                  <a:tcPr marL="91450" marR="91450" marT="45725" marB="45725" anchor="ctr"/>
+                </a:tc>
+                <a:extLst>
+                  <a:ext uri="{0D108BD9-81ED-4DB2-BD59-A6C34878D82A}">
+                    <a16:rowId xmlns:a16="http://schemas.microsoft.com/office/drawing/2014/main" val="1783420553"/>
                   </a:ext>
                 </a:extLst>
               </a:tr>
@@ -17371,9 +17464,20 @@
                   </a:txBody>
                   <a:tcPr marL="91450" marR="91450" marT="45725" marB="45725" anchor="ctr"/>
                 </a:tc>
+                <a:tc>
+                  <a:txBody>
+                    <a:bodyPr/>
+                    <a:lstStyle/>
+                    <a:p>
+                      <a:pPr algn="ctr"/>
+                      <a:endParaRPr lang="en-US" sz="1200" dirty="0"/>
+                    </a:p>
+                  </a:txBody>
+                  <a:tcPr marL="91450" marR="91450" marT="45725" marB="45725" anchor="ctr"/>
+                </a:tc>
                 <a:extLst>
                   <a:ext uri="{0D108BD9-81ED-4DB2-BD59-A6C34878D82A}">
-                    <a16:rowId xmlns:a16="http://schemas.microsoft.com/office/drawing/2014/main" val="10006"/>
+                    <a16:rowId xmlns:a16="http://schemas.microsoft.com/office/drawing/2014/main" val="2202924531"/>
                   </a:ext>
                 </a:extLst>
               </a:tr>
@@ -17502,9 +17606,20 @@
                   </a:txBody>
                   <a:tcPr marL="91450" marR="91450" marT="45725" marB="45725" anchor="ctr"/>
                 </a:tc>
+                <a:tc>
+                  <a:txBody>
+                    <a:bodyPr/>
+                    <a:lstStyle/>
+                    <a:p>
+                      <a:pPr algn="ctr"/>
+                      <a:endParaRPr lang="en-US" sz="1200" dirty="0"/>
+                    </a:p>
+                  </a:txBody>
+                  <a:tcPr marL="91450" marR="91450" marT="45725" marB="45725" anchor="ctr"/>
+                </a:tc>
                 <a:extLst>
                   <a:ext uri="{0D108BD9-81ED-4DB2-BD59-A6C34878D82A}">
-                    <a16:rowId xmlns:a16="http://schemas.microsoft.com/office/drawing/2014/main" val="10009"/>
+                    <a16:rowId xmlns:a16="http://schemas.microsoft.com/office/drawing/2014/main" val="10006"/>
                   </a:ext>
                 </a:extLst>
               </a:tr>
@@ -17596,6 +17711,115 @@
                   </a:txBody>
                   <a:tcPr marL="91450" marR="91450" marT="45725" marB="45725" anchor="ctr"/>
                 </a:tc>
+                <a:tc>
+                  <a:txBody>
+                    <a:bodyPr/>
+                    <a:lstStyle/>
+                    <a:p>
+                      <a:pPr algn="ctr"/>
+                      <a:endParaRPr lang="en-US" sz="1200" dirty="0"/>
+                    </a:p>
+                  </a:txBody>
+                  <a:tcPr marL="91450" marR="91450" marT="45725" marB="45725" anchor="ctr"/>
+                </a:tc>
+                <a:extLst>
+                  <a:ext uri="{0D108BD9-81ED-4DB2-BD59-A6C34878D82A}">
+                    <a16:rowId xmlns:a16="http://schemas.microsoft.com/office/drawing/2014/main" val="10009"/>
+                  </a:ext>
+                </a:extLst>
+              </a:tr>
+              <a:tr h="309016">
+                <a:tc>
+                  <a:txBody>
+                    <a:bodyPr/>
+                    <a:lstStyle/>
+                    <a:p>
+                      <a:pPr marL="0" marR="0" lvl="0" indent="0" algn="l" rtl="0">
+                        <a:lnSpc>
+                          <a:spcPct val="100000"/>
+                        </a:lnSpc>
+                        <a:spcBef>
+                          <a:spcPts val="0"/>
+                        </a:spcBef>
+                        <a:spcAft>
+                          <a:spcPts val="0"/>
+                        </a:spcAft>
+                        <a:buNone/>
+                      </a:pPr>
+                      <a:endParaRPr sz="1200" b="0" u="none" strike="noStrike" cap="none">
+                        <a:solidFill>
+                          <a:schemeClr val="tx1"/>
+                        </a:solidFill>
+                      </a:endParaRPr>
+                    </a:p>
+                  </a:txBody>
+                  <a:tcPr marL="91450" marR="91450" marT="45725" marB="45725" anchor="ctr"/>
+                </a:tc>
+                <a:tc>
+                  <a:txBody>
+                    <a:bodyPr/>
+                    <a:lstStyle/>
+                    <a:p>
+                      <a:pPr algn="ctr"/>
+                      <a:endParaRPr lang="en-US" sz="1200" b="0" dirty="0"/>
+                    </a:p>
+                  </a:txBody>
+                  <a:tcPr marL="91450" marR="91450" marT="45725" marB="45725" anchor="ctr"/>
+                </a:tc>
+                <a:tc>
+                  <a:txBody>
+                    <a:bodyPr/>
+                    <a:lstStyle/>
+                    <a:p>
+                      <a:endParaRPr lang="ko-KR" altLang="en-US" sz="1200" b="0" dirty="0"/>
+                    </a:p>
+                  </a:txBody>
+                  <a:tcPr marL="91450" marR="91450" marT="45725" marB="45725" anchor="ctr"/>
+                </a:tc>
+                <a:tc>
+                  <a:txBody>
+                    <a:bodyPr/>
+                    <a:lstStyle/>
+                    <a:p>
+                      <a:pPr algn="r"/>
+                      <a:endParaRPr lang="en-US" sz="1200" dirty="0"/>
+                    </a:p>
+                  </a:txBody>
+                  <a:tcPr marL="91450" marR="91450" marT="45725" marB="45725" anchor="ctr"/>
+                </a:tc>
+                <a:tc>
+                  <a:txBody>
+                    <a:bodyPr/>
+                    <a:lstStyle/>
+                    <a:p>
+                      <a:pPr algn="ctr"/>
+                      <a:endParaRPr lang="en-US" sz="1200" dirty="0"/>
+                    </a:p>
+                  </a:txBody>
+                  <a:tcPr marL="91450" marR="91450" marT="45725" marB="45725" anchor="ctr"/>
+                </a:tc>
+                <a:tc>
+                  <a:txBody>
+                    <a:bodyPr/>
+                    <a:lstStyle/>
+                    <a:p>
+                      <a:pPr algn="ctr"/>
+                      <a:endParaRPr lang="en-US" sz="1200" dirty="0"/>
+                    </a:p>
+                  </a:txBody>
+                  <a:tcPr marL="91450" marR="91450" marT="45725" marB="45725" anchor="ctr"/>
+                </a:tc>
+                <a:tc>
+                  <a:txBody>
+                    <a:bodyPr/>
+                    <a:lstStyle/>
+                    <a:p>
+                      <a:pPr algn="ctr"/>
+                      <a:endParaRPr lang="en-US" sz="1200" dirty="0"/>
+                    </a:p>
+                  </a:txBody>
+                  <a:tcPr marL="91450" marR="91450" marT="45725" marB="45725" anchor="ctr"/>
+                </a:tc>
                 <a:extLst>
                   <a:ext uri="{0D108BD9-81ED-4DB2-BD59-A6C34878D82A}">
                     <a16:rowId xmlns:a16="http://schemas.microsoft.com/office/drawing/2014/main" val="3274139736"/>
@@ -17752,6 +17976,37 @@
                         <a:buNone/>
                       </a:pPr>
                       <a:endParaRPr sz="1400" u="none" strike="noStrike" cap="none">
+                        <a:solidFill>
+                          <a:schemeClr val="tx1"/>
+                        </a:solidFill>
+                      </a:endParaRPr>
+                    </a:p>
+                  </a:txBody>
+                  <a:tcPr marL="91450" marR="91450" marT="45725" marB="45725" anchor="ctr"/>
+                </a:tc>
+                <a:tc>
+                  <a:txBody>
+                    <a:bodyPr/>
+                    <a:lstStyle/>
+                    <a:p>
+                      <a:pPr marL="0" marR="0" lvl="0" indent="0" algn="ctr" rtl="0">
+                        <a:lnSpc>
+                          <a:spcPct val="100000"/>
+                        </a:lnSpc>
+                        <a:spcBef>
+                          <a:spcPts val="0"/>
+                        </a:spcBef>
+                        <a:spcAft>
+                          <a:spcPts val="0"/>
+                        </a:spcAft>
+                        <a:buClr>
+                          <a:srgbClr val="000000"/>
+                        </a:buClr>
+                        <a:buSzPts val="1400"/>
+                        <a:buFont typeface="Arial"/>
+                        <a:buNone/>
+                      </a:pPr>
+                      <a:endParaRPr lang="en-US" sz="1200" b="0" u="none" strike="noStrike" cap="none" dirty="0">
                         <a:solidFill>
                           <a:schemeClr val="tx1"/>
                         </a:solidFill>
@@ -17890,78 +18145,6 @@
             </a:r>
             <a:r>
               <a:rPr lang="en-US" altLang="ko-KR" sz="1600" dirty="0"/>
-              <a:t>/ </a:t>
-            </a:r>
-            <a:r>
-              <a:rPr lang="en-US" sz="1600" dirty="0">
-                <a:solidFill>
-                  <a:schemeClr val="tx1"/>
-                </a:solidFill>
-              </a:rPr>
-              <a:t>Mini </a:t>
-            </a:r>
-            <a:r>
-              <a:rPr lang="en-US" sz="1600" dirty="0" err="1">
-                <a:solidFill>
-                  <a:schemeClr val="tx1"/>
-                </a:solidFill>
-              </a:rPr>
-              <a:t>Solius</a:t>
-            </a:r>
-            <a:r>
-              <a:rPr lang="en-US" sz="1600" dirty="0">
-                <a:solidFill>
-                  <a:schemeClr val="tx1"/>
-                </a:solidFill>
-              </a:rPr>
-              <a:t>(</a:t>
-            </a:r>
-            <a:r>
-              <a:rPr lang="ko-KR" altLang="en-US" sz="1600" dirty="0">
-                <a:solidFill>
-                  <a:schemeClr val="tx1"/>
-                </a:solidFill>
-              </a:rPr>
-              <a:t>미니솔리우스</a:t>
-            </a:r>
-            <a:r>
-              <a:rPr lang="en-US" altLang="ko-KR" sz="1600" dirty="0">
-                <a:solidFill>
-                  <a:schemeClr val="tx1"/>
-                </a:solidFill>
-              </a:rPr>
-              <a:t>) </a:t>
-            </a:r>
-          </a:p>
-          <a:p>
-            <a:pPr marL="742950" lvl="1" indent="-285750"/>
-            <a:r>
-              <a:rPr lang="en-US" sz="1600" dirty="0">
-                <a:hlinkClick r:id="rId2"/>
-              </a:rPr>
-              <a:t>http://buyrc.co.kr/product/product_detail.asp?product_number=79186</a:t>
-            </a:r>
-            <a:endParaRPr lang="en-US" altLang="ko-KR" sz="1600" dirty="0">
-              <a:solidFill>
-                <a:schemeClr val="tx1"/>
-              </a:solidFill>
-            </a:endParaRPr>
-          </a:p>
-          <a:p>
-            <a:pPr marL="285750" indent="-285750">
-              <a:buFont typeface="Arial" panose="020B0604020202020204" pitchFamily="34" charset="0"/>
-              <a:buChar char="•"/>
-            </a:pPr>
-            <a:r>
-              <a:rPr lang="en-US" altLang="ko-KR" sz="1600" dirty="0"/>
-              <a:t> </a:t>
-            </a:r>
-            <a:r>
-              <a:rPr lang="ko-KR" altLang="en-US" sz="1600" dirty="0"/>
-              <a:t>비행기 </a:t>
-            </a:r>
-            <a:r>
-              <a:rPr lang="en-US" altLang="ko-KR" sz="1600" dirty="0"/>
               <a:t>/ 85CM </a:t>
             </a:r>
             <a:r>
@@ -17974,7 +18157,7 @@
             <a:pPr marL="742950" lvl="1" indent="-285750"/>
             <a:r>
               <a:rPr lang="en-US" sz="1600" dirty="0">
-                <a:hlinkClick r:id="rId3"/>
+                <a:hlinkClick r:id="rId2"/>
               </a:rPr>
               <a:t>https://search.shopping.naver.com/detail/lite.nhn?nv_mid=20348928354&amp;cat_id=50004462&amp;frm=NVSHPAG&amp;query=%EA%B8%80%EB%9D%BC%EC%9D%B4%EB%8D%94&amp;NaPm=ct%3Dk0d1g7gw%7Cci%3Daf181e7cb2a7fe3cb2cde74b002f972f7e25b349%7Ctr%3Dslsl%7Csn%3D95694%7Chk%3Dc68bcc9a19db8c7a8161b57b16b3f6da41ad3264</a:t>
             </a:r>
@@ -18003,7 +18186,7 @@
             <a:pPr marL="742950" lvl="1" indent="-285750"/>
             <a:r>
               <a:rPr lang="en-US" sz="1600" dirty="0">
-                <a:hlinkClick r:id="rId4"/>
+                <a:hlinkClick r:id="rId3"/>
               </a:rPr>
               <a:t>https://front.wemakeprice.com/product/190439396?utm_source=naver_ep&amp;utm_medium=PRICE_af&amp;utm_campaign=null&amp;NaPm=ct%3Dk0d1l5pk%7Cci%3D8199b41158d4c18c3b6eb5e312a0916eb0972ad3%7Ctr%3Dslct%7Csn%3D197023%7Chk%3Dc78e5d66145fb9f086afdbc2f4ed6cf664612215</a:t>
             </a:r>
@@ -18032,7 +18215,7 @@
             <a:pPr marL="742950" lvl="1" indent="-285750"/>
             <a:r>
               <a:rPr lang="en-US" sz="1600" dirty="0">
-                <a:hlinkClick r:id="rId5"/>
+                <a:hlinkClick r:id="rId4"/>
               </a:rPr>
               <a:t>https://search.shopping.naver.com/detail/lite.nhn?cat_id=50004462&amp;nv_mid=10652848438&amp;query=%EB%B3%B4%EC%9D%B4%EC%A0%80+V-7+%EA%B8%80%EB%9D%BC%EC%9D%B4%EB%8D%94&amp;frm=NVSCPRO&amp;NaPm=ct%3Dk0d1r1wg%7Cci%3D3cab5320f0aa1894c0b6b734390446cf105444df%7Ctr%3Dsls%7Csn%3D95694%7Chk%3D5addc60fef900854343fa7e634e01986ae50c8de</a:t>
             </a:r>
@@ -18060,7 +18243,7 @@
             <a:pPr marL="742950" lvl="1" indent="-285750"/>
             <a:r>
               <a:rPr lang="en-US" sz="1600" dirty="0">
-                <a:hlinkClick r:id="rId6"/>
+                <a:hlinkClick r:id="rId5"/>
               </a:rPr>
               <a:t>ttp://www.11st.co.kr/product/SellerProductDetail.tmall?method=getSellerProductDetail&amp;prdNo=2355359332&amp;gclid=CjwKCAjw8NfrBRA7EiwAfiVJpR4Pb5X64xlcVmtDGVUGFN_Fvdy9PWTeHl68fr4XGSI-vDVGlGyUfRoCny4QAvD_BwE&amp;utm_term=&amp;utm_campaign=%B1%B8%B1%DB%BC%EE%C7%CEPC+%C3%DF%B0%A1%C0%DB%BE%F7&amp;utm_source=%B1%B8%B1%DB_PC_S_%BC%EE%C7%CE&amp;utm_medium=%B0%CB%BB%F6</a:t>
             </a:r>
@@ -18097,7 +18280,7 @@
             </a:pPr>
             <a:r>
               <a:rPr lang="en-US" sz="1600" dirty="0">
-                <a:hlinkClick r:id="rId7"/>
+                <a:hlinkClick r:id="rId6"/>
               </a:rPr>
               <a:t>http://kymin.co.kr/goods/view?no=86115&amp;market=naver&amp;NaPm=ct%3Dk0d3dqk0%7Cci%3D764605b52213d660f6fc3dcaf016f691337732b3%7Ctr%3Dsls%7Csn%3D410583%7Chk%3D0c2a055141bddffd5ed13e04d52d16dcd351dbfe</a:t>
             </a:r>
@@ -18127,6 +18310,25 @@
             <a:r>
               <a:rPr lang="ko-KR" altLang="en-US" sz="1600" dirty="0"/>
               <a:t>커넥터</a:t>
+            </a:r>
+            <a:endParaRPr lang="en-US" altLang="ko-KR" sz="1600" dirty="0"/>
+          </a:p>
+          <a:p>
+            <a:pPr marL="742950" lvl="1" indent="-285750">
+              <a:lnSpc>
+                <a:spcPct val="90000"/>
+              </a:lnSpc>
+              <a:buSzPts val="1480"/>
+              <a:buFont typeface="Arial" panose="020B0604020202020204" pitchFamily="34" charset="0"/>
+              <a:buChar char="•"/>
+            </a:pPr>
+            <a:r>
+              <a:rPr lang="en-US" altLang="ko-KR" sz="1600">
+                <a:solidFill>
+                  <a:schemeClr val="tx1"/>
+                </a:solidFill>
+              </a:rPr>
+              <a:t> </a:t>
             </a:r>
             <a:endParaRPr lang="ko-KR" altLang="en-US" sz="1600" dirty="0">
               <a:solidFill>
